--- a/dist-env/src/cws/app-promo/promo-tile.pptx
+++ b/dist-env/src/cws/app-promo/promo-tile.pptx
@@ -6,6 +6,8 @@
   </p:sldMasterIdLst>
   <p:sldIdLst>
     <p:sldId id="256" r:id="rId2"/>
+    <p:sldId id="257" r:id="rId3"/>
+    <p:sldId id="258" r:id="rId4"/>
   </p:sldIdLst>
   <p:sldSz cx="12192000" cy="6858000"/>
   <p:notesSz cx="6858000" cy="9144000"/>
@@ -243,7 +245,7 @@
           <a:p>
             <a:fld id="{2ACA34EB-1D88-4E75-BE2F-6D09A74D6EB9}" type="datetimeFigureOut">
               <a:rPr lang="en-GB" smtClean="0"/>
-              <a:t>27/08/2017</a:t>
+              <a:t>02/09/2017</a:t>
             </a:fld>
             <a:endParaRPr lang="en-GB"/>
           </a:p>
@@ -413,7 +415,7 @@
           <a:p>
             <a:fld id="{2ACA34EB-1D88-4E75-BE2F-6D09A74D6EB9}" type="datetimeFigureOut">
               <a:rPr lang="en-GB" smtClean="0"/>
-              <a:t>27/08/2017</a:t>
+              <a:t>02/09/2017</a:t>
             </a:fld>
             <a:endParaRPr lang="en-GB"/>
           </a:p>
@@ -593,7 +595,7 @@
           <a:p>
             <a:fld id="{2ACA34EB-1D88-4E75-BE2F-6D09A74D6EB9}" type="datetimeFigureOut">
               <a:rPr lang="en-GB" smtClean="0"/>
-              <a:t>27/08/2017</a:t>
+              <a:t>02/09/2017</a:t>
             </a:fld>
             <a:endParaRPr lang="en-GB"/>
           </a:p>
@@ -763,7 +765,7 @@
           <a:p>
             <a:fld id="{2ACA34EB-1D88-4E75-BE2F-6D09A74D6EB9}" type="datetimeFigureOut">
               <a:rPr lang="en-GB" smtClean="0"/>
-              <a:t>27/08/2017</a:t>
+              <a:t>02/09/2017</a:t>
             </a:fld>
             <a:endParaRPr lang="en-GB"/>
           </a:p>
@@ -1009,7 +1011,7 @@
           <a:p>
             <a:fld id="{2ACA34EB-1D88-4E75-BE2F-6D09A74D6EB9}" type="datetimeFigureOut">
               <a:rPr lang="en-GB" smtClean="0"/>
-              <a:t>27/08/2017</a:t>
+              <a:t>02/09/2017</a:t>
             </a:fld>
             <a:endParaRPr lang="en-GB"/>
           </a:p>
@@ -1241,7 +1243,7 @@
           <a:p>
             <a:fld id="{2ACA34EB-1D88-4E75-BE2F-6D09A74D6EB9}" type="datetimeFigureOut">
               <a:rPr lang="en-GB" smtClean="0"/>
-              <a:t>27/08/2017</a:t>
+              <a:t>02/09/2017</a:t>
             </a:fld>
             <a:endParaRPr lang="en-GB"/>
           </a:p>
@@ -1608,7 +1610,7 @@
           <a:p>
             <a:fld id="{2ACA34EB-1D88-4E75-BE2F-6D09A74D6EB9}" type="datetimeFigureOut">
               <a:rPr lang="en-GB" smtClean="0"/>
-              <a:t>27/08/2017</a:t>
+              <a:t>02/09/2017</a:t>
             </a:fld>
             <a:endParaRPr lang="en-GB"/>
           </a:p>
@@ -1726,7 +1728,7 @@
           <a:p>
             <a:fld id="{2ACA34EB-1D88-4E75-BE2F-6D09A74D6EB9}" type="datetimeFigureOut">
               <a:rPr lang="en-GB" smtClean="0"/>
-              <a:t>27/08/2017</a:t>
+              <a:t>02/09/2017</a:t>
             </a:fld>
             <a:endParaRPr lang="en-GB"/>
           </a:p>
@@ -1821,7 +1823,7 @@
           <a:p>
             <a:fld id="{2ACA34EB-1D88-4E75-BE2F-6D09A74D6EB9}" type="datetimeFigureOut">
               <a:rPr lang="en-GB" smtClean="0"/>
-              <a:t>27/08/2017</a:t>
+              <a:t>02/09/2017</a:t>
             </a:fld>
             <a:endParaRPr lang="en-GB"/>
           </a:p>
@@ -2098,7 +2100,7 @@
           <a:p>
             <a:fld id="{2ACA34EB-1D88-4E75-BE2F-6D09A74D6EB9}" type="datetimeFigureOut">
               <a:rPr lang="en-GB" smtClean="0"/>
-              <a:t>27/08/2017</a:t>
+              <a:t>02/09/2017</a:t>
             </a:fld>
             <a:endParaRPr lang="en-GB"/>
           </a:p>
@@ -2351,7 +2353,7 @@
           <a:p>
             <a:fld id="{2ACA34EB-1D88-4E75-BE2F-6D09A74D6EB9}" type="datetimeFigureOut">
               <a:rPr lang="en-GB" smtClean="0"/>
-              <a:t>27/08/2017</a:t>
+              <a:t>02/09/2017</a:t>
             </a:fld>
             <a:endParaRPr lang="en-GB"/>
           </a:p>
@@ -2564,7 +2566,7 @@
           <a:p>
             <a:fld id="{2ACA34EB-1D88-4E75-BE2F-6D09A74D6EB9}" type="datetimeFigureOut">
               <a:rPr lang="en-GB" smtClean="0"/>
-              <a:t>27/08/2017</a:t>
+              <a:t>02/09/2017</a:t>
             </a:fld>
             <a:endParaRPr lang="en-GB"/>
           </a:p>
@@ -3195,6 +3197,908 @@
 </p:sld>
 </file>
 
+<file path=ppt/slides/slide2.xml><?xml version="1.0" encoding="utf-8"?>
+<p:sld xmlns:a="http://schemas.openxmlformats.org/drawingml/2006/main" xmlns:r="http://schemas.openxmlformats.org/officeDocument/2006/relationships" xmlns:p="http://schemas.openxmlformats.org/presentationml/2006/main">
+  <p:cSld>
+    <p:spTree>
+      <p:nvGrpSpPr>
+        <p:cNvPr id="1" name=""/>
+        <p:cNvGrpSpPr/>
+        <p:nvPr/>
+      </p:nvGrpSpPr>
+      <p:grpSpPr>
+        <a:xfrm>
+          <a:off x="0" y="0"/>
+          <a:ext cx="0" cy="0"/>
+          <a:chOff x="0" y="0"/>
+          <a:chExt cx="0" cy="0"/>
+        </a:xfrm>
+      </p:grpSpPr>
+      <p:sp>
+        <p:nvSpPr>
+          <p:cNvPr id="4" name="Oval 3"/>
+          <p:cNvSpPr/>
+          <p:nvPr/>
+        </p:nvSpPr>
+        <p:spPr>
+          <a:xfrm>
+            <a:off x="2489771" y="147184"/>
+            <a:ext cx="6480000" cy="6480000"/>
+          </a:xfrm>
+          <a:prstGeom prst="ellipse">
+            <a:avLst/>
+          </a:prstGeom>
+          <a:gradFill flip="none" rotWithShape="1">
+            <a:gsLst>
+              <a:gs pos="0">
+                <a:srgbClr val="0070C0">
+                  <a:lumMod val="0"/>
+                  <a:lumOff val="100000"/>
+                </a:srgbClr>
+              </a:gs>
+              <a:gs pos="16000">
+                <a:srgbClr val="0070C0">
+                  <a:lumMod val="52000"/>
+                  <a:lumOff val="48000"/>
+                </a:srgbClr>
+              </a:gs>
+              <a:gs pos="100000">
+                <a:srgbClr val="0070C0"/>
+              </a:gs>
+            </a:gsLst>
+            <a:path path="circle">
+              <a:fillToRect l="100000" b="100000"/>
+            </a:path>
+            <a:tileRect t="-100000" r="-100000"/>
+          </a:gradFill>
+          <a:ln>
+            <a:noFill/>
+          </a:ln>
+        </p:spPr>
+        <p:style>
+          <a:lnRef idx="2">
+            <a:schemeClr val="accent1">
+              <a:shade val="50000"/>
+            </a:schemeClr>
+          </a:lnRef>
+          <a:fillRef idx="1">
+            <a:schemeClr val="accent1"/>
+          </a:fillRef>
+          <a:effectRef idx="0">
+            <a:schemeClr val="accent1"/>
+          </a:effectRef>
+          <a:fontRef idx="minor">
+            <a:schemeClr val="lt1"/>
+          </a:fontRef>
+        </p:style>
+        <p:txBody>
+          <a:bodyPr rtlCol="0" anchor="ctr"/>
+          <a:lstStyle/>
+          <a:p>
+            <a:pPr algn="ctr"/>
+            <a:endParaRPr lang="en-GB"/>
+          </a:p>
+        </p:txBody>
+      </p:sp>
+      <p:sp>
+        <p:nvSpPr>
+          <p:cNvPr id="11" name="Rounded Rectangle 10"/>
+          <p:cNvSpPr/>
+          <p:nvPr/>
+        </p:nvSpPr>
+        <p:spPr>
+          <a:xfrm>
+            <a:off x="5246100" y="1610320"/>
+            <a:ext cx="1055078" cy="1659987"/>
+          </a:xfrm>
+          <a:prstGeom prst="roundRect">
+            <a:avLst>
+              <a:gd name="adj" fmla="val 50000"/>
+            </a:avLst>
+          </a:prstGeom>
+          <a:solidFill>
+            <a:schemeClr val="tx1">
+              <a:alpha val="56000"/>
+            </a:schemeClr>
+          </a:solidFill>
+          <a:ln>
+            <a:noFill/>
+          </a:ln>
+        </p:spPr>
+        <p:style>
+          <a:lnRef idx="2">
+            <a:schemeClr val="accent1">
+              <a:shade val="50000"/>
+            </a:schemeClr>
+          </a:lnRef>
+          <a:fillRef idx="1">
+            <a:schemeClr val="accent1"/>
+          </a:fillRef>
+          <a:effectRef idx="0">
+            <a:schemeClr val="accent1"/>
+          </a:effectRef>
+          <a:fontRef idx="minor">
+            <a:schemeClr val="lt1"/>
+          </a:fontRef>
+        </p:style>
+        <p:txBody>
+          <a:bodyPr rtlCol="0" anchor="ctr"/>
+          <a:lstStyle/>
+          <a:p>
+            <a:pPr algn="ctr"/>
+            <a:endParaRPr lang="en-GB"/>
+          </a:p>
+        </p:txBody>
+      </p:sp>
+      <p:sp>
+        <p:nvSpPr>
+          <p:cNvPr id="12" name="Rounded Rectangle 11"/>
+          <p:cNvSpPr/>
+          <p:nvPr/>
+        </p:nvSpPr>
+        <p:spPr>
+          <a:xfrm>
+            <a:off x="5529359" y="1893799"/>
+            <a:ext cx="481013" cy="1093029"/>
+          </a:xfrm>
+          <a:prstGeom prst="roundRect">
+            <a:avLst>
+              <a:gd name="adj" fmla="val 50000"/>
+            </a:avLst>
+          </a:prstGeom>
+          <a:solidFill>
+            <a:schemeClr val="tx1">
+              <a:alpha val="56000"/>
+            </a:schemeClr>
+          </a:solidFill>
+          <a:ln>
+            <a:noFill/>
+          </a:ln>
+        </p:spPr>
+        <p:style>
+          <a:lnRef idx="2">
+            <a:schemeClr val="accent1">
+              <a:shade val="50000"/>
+            </a:schemeClr>
+          </a:lnRef>
+          <a:fillRef idx="1">
+            <a:schemeClr val="accent1"/>
+          </a:fillRef>
+          <a:effectRef idx="0">
+            <a:schemeClr val="accent1"/>
+          </a:effectRef>
+          <a:fontRef idx="minor">
+            <a:schemeClr val="lt1"/>
+          </a:fontRef>
+        </p:style>
+        <p:txBody>
+          <a:bodyPr rtlCol="0" anchor="ctr"/>
+          <a:lstStyle/>
+          <a:p>
+            <a:pPr algn="ctr"/>
+            <a:endParaRPr lang="en-GB"/>
+          </a:p>
+        </p:txBody>
+      </p:sp>
+      <p:sp>
+        <p:nvSpPr>
+          <p:cNvPr id="13" name="Rounded Rectangle 12"/>
+          <p:cNvSpPr/>
+          <p:nvPr/>
+        </p:nvSpPr>
+        <p:spPr>
+          <a:xfrm>
+            <a:off x="5246100" y="3357540"/>
+            <a:ext cx="1055078" cy="1659987"/>
+          </a:xfrm>
+          <a:prstGeom prst="roundRect">
+            <a:avLst>
+              <a:gd name="adj" fmla="val 50000"/>
+            </a:avLst>
+          </a:prstGeom>
+          <a:solidFill>
+            <a:schemeClr val="tx1">
+              <a:alpha val="56000"/>
+            </a:schemeClr>
+          </a:solidFill>
+          <a:ln>
+            <a:noFill/>
+          </a:ln>
+        </p:spPr>
+        <p:style>
+          <a:lnRef idx="2">
+            <a:schemeClr val="accent1">
+              <a:shade val="50000"/>
+            </a:schemeClr>
+          </a:lnRef>
+          <a:fillRef idx="1">
+            <a:schemeClr val="accent1"/>
+          </a:fillRef>
+          <a:effectRef idx="0">
+            <a:schemeClr val="accent1"/>
+          </a:effectRef>
+          <a:fontRef idx="minor">
+            <a:schemeClr val="lt1"/>
+          </a:fontRef>
+        </p:style>
+        <p:txBody>
+          <a:bodyPr rtlCol="0" anchor="ctr"/>
+          <a:lstStyle/>
+          <a:p>
+            <a:pPr algn="ctr"/>
+            <a:endParaRPr lang="en-GB"/>
+          </a:p>
+        </p:txBody>
+      </p:sp>
+      <p:sp>
+        <p:nvSpPr>
+          <p:cNvPr id="14" name="Rounded Rectangle 13"/>
+          <p:cNvSpPr/>
+          <p:nvPr/>
+        </p:nvSpPr>
+        <p:spPr>
+          <a:xfrm>
+            <a:off x="5529359" y="3641019"/>
+            <a:ext cx="481013" cy="1093029"/>
+          </a:xfrm>
+          <a:prstGeom prst="roundRect">
+            <a:avLst>
+              <a:gd name="adj" fmla="val 50000"/>
+            </a:avLst>
+          </a:prstGeom>
+          <a:solidFill>
+            <a:schemeClr val="tx1">
+              <a:alpha val="56000"/>
+            </a:schemeClr>
+          </a:solidFill>
+          <a:ln>
+            <a:noFill/>
+          </a:ln>
+        </p:spPr>
+        <p:style>
+          <a:lnRef idx="2">
+            <a:schemeClr val="accent1">
+              <a:shade val="50000"/>
+            </a:schemeClr>
+          </a:lnRef>
+          <a:fillRef idx="1">
+            <a:schemeClr val="accent1"/>
+          </a:fillRef>
+          <a:effectRef idx="0">
+            <a:schemeClr val="accent1"/>
+          </a:effectRef>
+          <a:fontRef idx="minor">
+            <a:schemeClr val="lt1"/>
+          </a:fontRef>
+        </p:style>
+        <p:txBody>
+          <a:bodyPr rtlCol="0" anchor="ctr"/>
+          <a:lstStyle/>
+          <a:p>
+            <a:pPr algn="ctr"/>
+            <a:endParaRPr lang="en-GB"/>
+          </a:p>
+        </p:txBody>
+      </p:sp>
+      <p:sp>
+        <p:nvSpPr>
+          <p:cNvPr id="15" name="Rounded Rectangle 14"/>
+          <p:cNvSpPr/>
+          <p:nvPr/>
+        </p:nvSpPr>
+        <p:spPr>
+          <a:xfrm>
+            <a:off x="5567459" y="2407697"/>
+            <a:ext cx="404812" cy="1862516"/>
+          </a:xfrm>
+          <a:prstGeom prst="roundRect">
+            <a:avLst>
+              <a:gd name="adj" fmla="val 50000"/>
+            </a:avLst>
+          </a:prstGeom>
+          <a:solidFill>
+            <a:schemeClr val="tx1">
+              <a:alpha val="56000"/>
+            </a:schemeClr>
+          </a:solidFill>
+          <a:ln>
+            <a:noFill/>
+          </a:ln>
+        </p:spPr>
+        <p:style>
+          <a:lnRef idx="2">
+            <a:schemeClr val="accent1">
+              <a:shade val="50000"/>
+            </a:schemeClr>
+          </a:lnRef>
+          <a:fillRef idx="1">
+            <a:schemeClr val="accent1"/>
+          </a:fillRef>
+          <a:effectRef idx="0">
+            <a:schemeClr val="accent1"/>
+          </a:effectRef>
+          <a:fontRef idx="minor">
+            <a:schemeClr val="lt1"/>
+          </a:fontRef>
+        </p:style>
+        <p:txBody>
+          <a:bodyPr rtlCol="0" anchor="ctr"/>
+          <a:lstStyle/>
+          <a:p>
+            <a:pPr algn="ctr"/>
+            <a:endParaRPr lang="en-GB"/>
+          </a:p>
+        </p:txBody>
+      </p:sp>
+      <p:sp>
+        <p:nvSpPr>
+          <p:cNvPr id="16" name="Rounded Rectangle 15"/>
+          <p:cNvSpPr/>
+          <p:nvPr/>
+        </p:nvSpPr>
+        <p:spPr>
+          <a:xfrm>
+            <a:off x="5619846" y="2465255"/>
+            <a:ext cx="300038" cy="1744796"/>
+          </a:xfrm>
+          <a:prstGeom prst="roundRect">
+            <a:avLst>
+              <a:gd name="adj" fmla="val 50000"/>
+            </a:avLst>
+          </a:prstGeom>
+          <a:solidFill>
+            <a:schemeClr val="tx1">
+              <a:alpha val="56000"/>
+            </a:schemeClr>
+          </a:solidFill>
+          <a:ln>
+            <a:noFill/>
+          </a:ln>
+        </p:spPr>
+        <p:style>
+          <a:lnRef idx="2">
+            <a:schemeClr val="accent1">
+              <a:shade val="50000"/>
+            </a:schemeClr>
+          </a:lnRef>
+          <a:fillRef idx="1">
+            <a:schemeClr val="accent1"/>
+          </a:fillRef>
+          <a:effectRef idx="0">
+            <a:schemeClr val="accent1"/>
+          </a:effectRef>
+          <a:fontRef idx="minor">
+            <a:schemeClr val="lt1"/>
+          </a:fontRef>
+        </p:style>
+        <p:txBody>
+          <a:bodyPr rtlCol="0" anchor="ctr"/>
+          <a:lstStyle/>
+          <a:p>
+            <a:pPr algn="ctr"/>
+            <a:endParaRPr lang="en-GB"/>
+          </a:p>
+        </p:txBody>
+      </p:sp>
+      <p:sp>
+        <p:nvSpPr>
+          <p:cNvPr id="17" name="Rounded Rectangle 16"/>
+          <p:cNvSpPr/>
+          <p:nvPr/>
+        </p:nvSpPr>
+        <p:spPr>
+          <a:xfrm>
+            <a:off x="7344697" y="1893799"/>
+            <a:ext cx="2654709" cy="1970278"/>
+          </a:xfrm>
+          <a:prstGeom prst="roundRect">
+            <a:avLst/>
+          </a:prstGeom>
+          <a:gradFill>
+            <a:gsLst>
+              <a:gs pos="0">
+                <a:srgbClr val="0070C0">
+                  <a:lumMod val="0"/>
+                  <a:lumOff val="100000"/>
+                </a:srgbClr>
+              </a:gs>
+              <a:gs pos="35000">
+                <a:srgbClr val="0070C0">
+                  <a:lumMod val="48000"/>
+                  <a:lumOff val="52000"/>
+                </a:srgbClr>
+              </a:gs>
+              <a:gs pos="100000">
+                <a:srgbClr val="0070C0"/>
+              </a:gs>
+            </a:gsLst>
+            <a:path path="circle">
+              <a:fillToRect l="100000" b="100000"/>
+            </a:path>
+          </a:gradFill>
+          <a:ln>
+            <a:noFill/>
+          </a:ln>
+        </p:spPr>
+        <p:style>
+          <a:lnRef idx="2">
+            <a:schemeClr val="accent1">
+              <a:shade val="50000"/>
+            </a:schemeClr>
+          </a:lnRef>
+          <a:fillRef idx="1">
+            <a:schemeClr val="accent1"/>
+          </a:fillRef>
+          <a:effectRef idx="0">
+            <a:schemeClr val="accent1"/>
+          </a:effectRef>
+          <a:fontRef idx="minor">
+            <a:schemeClr val="lt1"/>
+          </a:fontRef>
+        </p:style>
+        <p:txBody>
+          <a:bodyPr rtlCol="0" anchor="ctr"/>
+          <a:lstStyle/>
+          <a:p>
+            <a:pPr algn="ctr"/>
+            <a:endParaRPr lang="en-GB"/>
+          </a:p>
+        </p:txBody>
+      </p:sp>
+    </p:spTree>
+    <p:extLst>
+      <p:ext uri="{BB962C8B-B14F-4D97-AF65-F5344CB8AC3E}">
+        <p14:creationId xmlns:p14="http://schemas.microsoft.com/office/powerpoint/2010/main" val="1126150904"/>
+      </p:ext>
+    </p:extLst>
+  </p:cSld>
+  <p:clrMapOvr>
+    <a:masterClrMapping/>
+  </p:clrMapOvr>
+</p:sld>
+</file>
+
+<file path=ppt/slides/slide3.xml><?xml version="1.0" encoding="utf-8"?>
+<p:sld xmlns:a="http://schemas.openxmlformats.org/drawingml/2006/main" xmlns:r="http://schemas.openxmlformats.org/officeDocument/2006/relationships" xmlns:p="http://schemas.openxmlformats.org/presentationml/2006/main">
+  <p:cSld>
+    <p:bg>
+      <p:bgPr>
+        <a:gradFill flip="none" rotWithShape="1">
+          <a:gsLst>
+            <a:gs pos="0">
+              <a:srgbClr val="0070C0">
+                <a:lumMod val="0"/>
+                <a:lumOff val="100000"/>
+              </a:srgbClr>
+            </a:gs>
+            <a:gs pos="35000">
+              <a:srgbClr val="0070C0">
+                <a:lumMod val="48000"/>
+                <a:lumOff val="52000"/>
+              </a:srgbClr>
+            </a:gs>
+            <a:gs pos="100000">
+              <a:srgbClr val="0070C0"/>
+            </a:gs>
+          </a:gsLst>
+          <a:path path="circle">
+            <a:fillToRect l="100000" b="100000"/>
+          </a:path>
+          <a:tileRect t="-100000" r="-100000"/>
+        </a:gradFill>
+        <a:effectLst/>
+      </p:bgPr>
+    </p:bg>
+    <p:spTree>
+      <p:nvGrpSpPr>
+        <p:cNvPr id="1" name=""/>
+        <p:cNvGrpSpPr/>
+        <p:nvPr/>
+      </p:nvGrpSpPr>
+      <p:grpSpPr>
+        <a:xfrm>
+          <a:off x="0" y="0"/>
+          <a:ext cx="0" cy="0"/>
+          <a:chOff x="0" y="0"/>
+          <a:chExt cx="0" cy="0"/>
+        </a:xfrm>
+      </p:grpSpPr>
+      <p:sp>
+        <p:nvSpPr>
+          <p:cNvPr id="2" name="Rectangle 1"/>
+          <p:cNvSpPr/>
+          <p:nvPr/>
+        </p:nvSpPr>
+        <p:spPr>
+          <a:xfrm>
+            <a:off x="0" y="0"/>
+            <a:ext cx="12192000" cy="6858000"/>
+          </a:xfrm>
+          <a:prstGeom prst="rect">
+            <a:avLst/>
+          </a:prstGeom>
+          <a:solidFill>
+            <a:schemeClr val="bg1"/>
+          </a:solidFill>
+          <a:ln>
+            <a:noFill/>
+          </a:ln>
+        </p:spPr>
+        <p:style>
+          <a:lnRef idx="2">
+            <a:schemeClr val="accent1">
+              <a:shade val="50000"/>
+            </a:schemeClr>
+          </a:lnRef>
+          <a:fillRef idx="1">
+            <a:schemeClr val="accent1"/>
+          </a:fillRef>
+          <a:effectRef idx="0">
+            <a:schemeClr val="accent1"/>
+          </a:effectRef>
+          <a:fontRef idx="minor">
+            <a:schemeClr val="lt1"/>
+          </a:fontRef>
+        </p:style>
+        <p:txBody>
+          <a:bodyPr rtlCol="0" anchor="ctr"/>
+          <a:lstStyle/>
+          <a:p>
+            <a:pPr algn="ctr"/>
+            <a:endParaRPr lang="en-GB"/>
+          </a:p>
+        </p:txBody>
+      </p:sp>
+      <p:sp useBgFill="1">
+        <p:nvSpPr>
+          <p:cNvPr id="17" name="Oval 16"/>
+          <p:cNvSpPr/>
+          <p:nvPr/>
+        </p:nvSpPr>
+        <p:spPr>
+          <a:xfrm>
+            <a:off x="2856000" y="317040"/>
+            <a:ext cx="6480000" cy="6480000"/>
+          </a:xfrm>
+          <a:prstGeom prst="ellipse">
+            <a:avLst/>
+          </a:prstGeom>
+          <a:ln>
+            <a:noFill/>
+          </a:ln>
+        </p:spPr>
+        <p:style>
+          <a:lnRef idx="2">
+            <a:schemeClr val="accent1">
+              <a:shade val="50000"/>
+            </a:schemeClr>
+          </a:lnRef>
+          <a:fillRef idx="1">
+            <a:schemeClr val="accent1"/>
+          </a:fillRef>
+          <a:effectRef idx="0">
+            <a:schemeClr val="accent1"/>
+          </a:effectRef>
+          <a:fontRef idx="minor">
+            <a:schemeClr val="lt1"/>
+          </a:fontRef>
+        </p:style>
+        <p:txBody>
+          <a:bodyPr rtlCol="0" anchor="ctr"/>
+          <a:lstStyle/>
+          <a:p>
+            <a:pPr algn="ctr"/>
+            <a:endParaRPr lang="en-GB"/>
+          </a:p>
+        </p:txBody>
+      </p:sp>
+      <p:grpSp>
+        <p:nvGrpSpPr>
+          <p:cNvPr id="3" name="Group 2"/>
+          <p:cNvGrpSpPr/>
+          <p:nvPr/>
+        </p:nvGrpSpPr>
+        <p:grpSpPr>
+          <a:xfrm rot="2550680">
+            <a:off x="5240105" y="793065"/>
+            <a:ext cx="1711788" cy="5527948"/>
+            <a:chOff x="617202" y="984739"/>
+            <a:chExt cx="1055078" cy="3407207"/>
+          </a:xfrm>
+        </p:grpSpPr>
+        <p:sp>
+          <p:nvSpPr>
+            <p:cNvPr id="18" name="Rounded Rectangle 17"/>
+            <p:cNvSpPr/>
+            <p:nvPr/>
+          </p:nvSpPr>
+          <p:spPr>
+            <a:xfrm>
+              <a:off x="617202" y="984739"/>
+              <a:ext cx="1055078" cy="1659987"/>
+            </a:xfrm>
+            <a:prstGeom prst="roundRect">
+              <a:avLst>
+                <a:gd name="adj" fmla="val 50000"/>
+              </a:avLst>
+            </a:prstGeom>
+            <a:solidFill>
+              <a:schemeClr val="bg1"/>
+            </a:solidFill>
+            <a:ln>
+              <a:noFill/>
+            </a:ln>
+          </p:spPr>
+          <p:style>
+            <a:lnRef idx="2">
+              <a:schemeClr val="accent1">
+                <a:shade val="50000"/>
+              </a:schemeClr>
+            </a:lnRef>
+            <a:fillRef idx="1">
+              <a:schemeClr val="accent1"/>
+            </a:fillRef>
+            <a:effectRef idx="0">
+              <a:schemeClr val="accent1"/>
+            </a:effectRef>
+            <a:fontRef idx="minor">
+              <a:schemeClr val="lt1"/>
+            </a:fontRef>
+          </p:style>
+          <p:txBody>
+            <a:bodyPr rtlCol="0" anchor="ctr"/>
+            <a:lstStyle/>
+            <a:p>
+              <a:pPr algn="ctr"/>
+              <a:endParaRPr lang="en-GB"/>
+            </a:p>
+          </p:txBody>
+        </p:sp>
+        <p:sp useBgFill="1">
+          <p:nvSpPr>
+            <p:cNvPr id="19" name="Rounded Rectangle 18"/>
+            <p:cNvSpPr/>
+            <p:nvPr/>
+          </p:nvSpPr>
+          <p:spPr>
+            <a:xfrm>
+              <a:off x="904235" y="1268218"/>
+              <a:ext cx="481013" cy="1093029"/>
+            </a:xfrm>
+            <a:prstGeom prst="roundRect">
+              <a:avLst>
+                <a:gd name="adj" fmla="val 50000"/>
+              </a:avLst>
+            </a:prstGeom>
+            <a:ln>
+              <a:noFill/>
+            </a:ln>
+          </p:spPr>
+          <p:style>
+            <a:lnRef idx="2">
+              <a:schemeClr val="accent1">
+                <a:shade val="50000"/>
+              </a:schemeClr>
+            </a:lnRef>
+            <a:fillRef idx="1">
+              <a:schemeClr val="accent1"/>
+            </a:fillRef>
+            <a:effectRef idx="0">
+              <a:schemeClr val="accent1"/>
+            </a:effectRef>
+            <a:fontRef idx="minor">
+              <a:schemeClr val="lt1"/>
+            </a:fontRef>
+          </p:style>
+          <p:txBody>
+            <a:bodyPr rtlCol="0" anchor="ctr"/>
+            <a:lstStyle/>
+            <a:p>
+              <a:pPr algn="ctr"/>
+              <a:endParaRPr lang="en-GB"/>
+            </a:p>
+          </p:txBody>
+        </p:sp>
+        <p:sp>
+          <p:nvSpPr>
+            <p:cNvPr id="20" name="Rounded Rectangle 19"/>
+            <p:cNvSpPr/>
+            <p:nvPr/>
+          </p:nvSpPr>
+          <p:spPr>
+            <a:xfrm>
+              <a:off x="617202" y="2731959"/>
+              <a:ext cx="1055078" cy="1659987"/>
+            </a:xfrm>
+            <a:prstGeom prst="roundRect">
+              <a:avLst>
+                <a:gd name="adj" fmla="val 50000"/>
+              </a:avLst>
+            </a:prstGeom>
+            <a:solidFill>
+              <a:schemeClr val="bg1"/>
+            </a:solidFill>
+            <a:ln>
+              <a:noFill/>
+            </a:ln>
+          </p:spPr>
+          <p:style>
+            <a:lnRef idx="2">
+              <a:schemeClr val="accent1">
+                <a:shade val="50000"/>
+              </a:schemeClr>
+            </a:lnRef>
+            <a:fillRef idx="1">
+              <a:schemeClr val="accent1"/>
+            </a:fillRef>
+            <a:effectRef idx="0">
+              <a:schemeClr val="accent1"/>
+            </a:effectRef>
+            <a:fontRef idx="minor">
+              <a:schemeClr val="lt1"/>
+            </a:fontRef>
+          </p:style>
+          <p:txBody>
+            <a:bodyPr rtlCol="0" anchor="ctr"/>
+            <a:lstStyle/>
+            <a:p>
+              <a:pPr algn="ctr"/>
+              <a:endParaRPr lang="en-GB"/>
+            </a:p>
+          </p:txBody>
+        </p:sp>
+        <p:sp useBgFill="1">
+          <p:nvSpPr>
+            <p:cNvPr id="21" name="Rounded Rectangle 20"/>
+            <p:cNvSpPr/>
+            <p:nvPr/>
+          </p:nvSpPr>
+          <p:spPr>
+            <a:xfrm>
+              <a:off x="904235" y="3015438"/>
+              <a:ext cx="481013" cy="1093029"/>
+            </a:xfrm>
+            <a:prstGeom prst="roundRect">
+              <a:avLst>
+                <a:gd name="adj" fmla="val 50000"/>
+              </a:avLst>
+            </a:prstGeom>
+            <a:ln>
+              <a:noFill/>
+            </a:ln>
+          </p:spPr>
+          <p:style>
+            <a:lnRef idx="2">
+              <a:schemeClr val="accent1">
+                <a:shade val="50000"/>
+              </a:schemeClr>
+            </a:lnRef>
+            <a:fillRef idx="1">
+              <a:schemeClr val="accent1"/>
+            </a:fillRef>
+            <a:effectRef idx="0">
+              <a:schemeClr val="accent1"/>
+            </a:effectRef>
+            <a:fontRef idx="minor">
+              <a:schemeClr val="lt1"/>
+            </a:fontRef>
+          </p:style>
+          <p:txBody>
+            <a:bodyPr rtlCol="0" anchor="ctr"/>
+            <a:lstStyle/>
+            <a:p>
+              <a:pPr algn="ctr"/>
+              <a:endParaRPr lang="en-GB"/>
+            </a:p>
+          </p:txBody>
+        </p:sp>
+        <p:sp useBgFill="1">
+          <p:nvSpPr>
+            <p:cNvPr id="22" name="Rounded Rectangle 21"/>
+            <p:cNvSpPr/>
+            <p:nvPr/>
+          </p:nvSpPr>
+          <p:spPr>
+            <a:xfrm>
+              <a:off x="942335" y="1782116"/>
+              <a:ext cx="404812" cy="1862516"/>
+            </a:xfrm>
+            <a:prstGeom prst="roundRect">
+              <a:avLst>
+                <a:gd name="adj" fmla="val 50000"/>
+              </a:avLst>
+            </a:prstGeom>
+            <a:ln>
+              <a:noFill/>
+            </a:ln>
+          </p:spPr>
+          <p:style>
+            <a:lnRef idx="2">
+              <a:schemeClr val="accent1">
+                <a:shade val="50000"/>
+              </a:schemeClr>
+            </a:lnRef>
+            <a:fillRef idx="1">
+              <a:schemeClr val="accent1"/>
+            </a:fillRef>
+            <a:effectRef idx="0">
+              <a:schemeClr val="accent1"/>
+            </a:effectRef>
+            <a:fontRef idx="minor">
+              <a:schemeClr val="lt1"/>
+            </a:fontRef>
+          </p:style>
+          <p:txBody>
+            <a:bodyPr rtlCol="0" anchor="ctr"/>
+            <a:lstStyle/>
+            <a:p>
+              <a:pPr algn="ctr"/>
+              <a:endParaRPr lang="en-GB"/>
+            </a:p>
+          </p:txBody>
+        </p:sp>
+        <p:sp>
+          <p:nvSpPr>
+            <p:cNvPr id="23" name="Rounded Rectangle 22"/>
+            <p:cNvSpPr/>
+            <p:nvPr/>
+          </p:nvSpPr>
+          <p:spPr>
+            <a:xfrm>
+              <a:off x="994722" y="1855086"/>
+              <a:ext cx="300038" cy="1716577"/>
+            </a:xfrm>
+            <a:prstGeom prst="roundRect">
+              <a:avLst>
+                <a:gd name="adj" fmla="val 50000"/>
+              </a:avLst>
+            </a:prstGeom>
+            <a:solidFill>
+              <a:schemeClr val="bg1"/>
+            </a:solidFill>
+            <a:ln>
+              <a:noFill/>
+            </a:ln>
+          </p:spPr>
+          <p:style>
+            <a:lnRef idx="2">
+              <a:schemeClr val="accent1">
+                <a:shade val="50000"/>
+              </a:schemeClr>
+            </a:lnRef>
+            <a:fillRef idx="1">
+              <a:schemeClr val="accent1"/>
+            </a:fillRef>
+            <a:effectRef idx="0">
+              <a:schemeClr val="accent1"/>
+            </a:effectRef>
+            <a:fontRef idx="minor">
+              <a:schemeClr val="lt1"/>
+            </a:fontRef>
+          </p:style>
+          <p:txBody>
+            <a:bodyPr rtlCol="0" anchor="ctr"/>
+            <a:lstStyle/>
+            <a:p>
+              <a:pPr algn="ctr"/>
+              <a:endParaRPr lang="en-GB"/>
+            </a:p>
+          </p:txBody>
+        </p:sp>
+      </p:grpSp>
+    </p:spTree>
+    <p:extLst>
+      <p:ext uri="{BB962C8B-B14F-4D97-AF65-F5344CB8AC3E}">
+        <p14:creationId xmlns:p14="http://schemas.microsoft.com/office/powerpoint/2010/main" val="1258825896"/>
+      </p:ext>
+    </p:extLst>
+  </p:cSld>
+  <p:clrMapOvr>
+    <a:masterClrMapping/>
+  </p:clrMapOvr>
+</p:sld>
+</file>
+
 <file path=ppt/theme/theme1.xml><?xml version="1.0" encoding="utf-8"?>
 <a:theme xmlns:a="http://schemas.openxmlformats.org/drawingml/2006/main" name="Office Theme">
   <a:themeElements>
